--- a/IBM Internship Project Final submission PPT.pptx
+++ b/IBM Internship Project Final submission PPT.pptx
@@ -6946,12 +6946,14 @@
         </p:nvSpPr>
         <p:spPr>
           <a:xfrm>
-            <a:off x="581191" y="2074646"/>
-            <a:ext cx="11029615" cy="3634486"/>
-          </a:xfrm>
-        </p:spPr>
-        <p:txBody>
-          <a:bodyPr/>
+            <a:off x="161313" y="2055985"/>
+            <a:ext cx="12030687" cy="3634486"/>
+          </a:xfrm>
+        </p:spPr>
+        <p:txBody>
+          <a:bodyPr>
+            <a:normAutofit fontScale="85000" lnSpcReduction="20000"/>
+          </a:bodyPr>
           <a:lstStyle/>
           <a:p>
             <a:r>
@@ -6980,11 +6982,76 @@
             </a:r>
             <a:r>
               <a:rPr lang="en-US" b="1" u="sng" dirty="0"/>
-              <a:t> link: </a:t>
-            </a:r>
-            <a:r>
-              <a:rPr lang="en-US" u="sng" dirty="0"/>
-              <a:t>https://colab.research.google.com/drive/1o3jMPBMsZaXuL-5-X3HwgNYJLJkk9rKm?usp=sharing</a:t>
+              <a:t> link:</a:t>
+            </a:r>
+          </a:p>
+          <a:p>
+            <a:pPr marL="0" indent="0">
+              <a:buNone/>
+            </a:pPr>
+            <a:r>
+              <a:rPr lang="en-US" u="sng" dirty="0">
+                <a:hlinkClick r:id="rId3"/>
+              </a:rPr>
+              <a:t>    https://colab.research.google.com/drive/1o3jMPBMsZaXuL-5</a:t>
+            </a:r>
+            <a:r>
+              <a:rPr lang="en-US" u="sng" dirty="0">
+                <a:hlinkClick r:id="rId4"/>
+              </a:rPr>
+              <a:t>-</a:t>
+            </a:r>
+            <a:r>
+              <a:rPr lang="en-US" u="sng" dirty="0">
+                <a:hlinkClick r:id="rId4"/>
+              </a:rPr>
+              <a:t>X3HwgNYJLJkk9rKm?usp=sharing</a:t>
+            </a:r>
+            <a:endParaRPr lang="en-US" u="sng" dirty="0"/>
+          </a:p>
+          <a:p>
+            <a:pPr marL="0" indent="0">
+              <a:buNone/>
+            </a:pPr>
+            <a:endParaRPr lang="en-US" u="sng" dirty="0"/>
+          </a:p>
+          <a:p>
+            <a:r>
+              <a:rPr lang="en-US" b="1" u="sng" dirty="0">
+                <a:solidFill>
+                  <a:schemeClr val="tx1">
+                    <a:lumMod val="95000"/>
+                  </a:schemeClr>
+                </a:solidFill>
+              </a:rPr>
+              <a:t>GitHub link:</a:t>
+            </a:r>
+          </a:p>
+          <a:p>
+            <a:pPr marL="0" indent="0">
+              <a:buNone/>
+            </a:pPr>
+            <a:r>
+              <a:rPr lang="en-US" dirty="0">
+                <a:solidFill>
+                  <a:schemeClr val="accent6">
+                    <a:lumMod val="40000"/>
+                    <a:lumOff val="60000"/>
+                  </a:schemeClr>
+                </a:solidFill>
+              </a:rPr>
+              <a:t>    </a:t>
+            </a:r>
+            <a:r>
+              <a:rPr lang="en-US" u="sng" dirty="0">
+                <a:solidFill>
+                  <a:schemeClr val="accent6">
+                    <a:lumMod val="40000"/>
+                    <a:lumOff val="60000"/>
+                  </a:schemeClr>
+                </a:solidFill>
+              </a:rPr>
+              <a:t>https://github.com/Kunaljolly/IBM-SkillsBuild-Intership-Data-analytics-project/</a:t>
             </a:r>
           </a:p>
         </p:txBody>
